--- a/Images/Icon/YOLO_icon.pptx
+++ b/Images/Icon/YOLO_icon.pptx
@@ -6,6 +6,8 @@
   </p:sldMasterIdLst>
   <p:sldIdLst>
     <p:sldId id="256" r:id="rId2"/>
+    <p:sldId id="257" r:id="rId3"/>
+    <p:sldId id="258" r:id="rId4"/>
   </p:sldIdLst>
   <p:sldSz cx="12192000" cy="6858000"/>
   <p:notesSz cx="7010400" cy="9296400"/>
@@ -104,6 +106,11 @@
       </a:defRPr>
     </a:lvl9pPr>
   </p:defaultTextStyle>
+  <p:extLst>
+    <p:ext uri="{EFAFB233-063F-42B5-8137-9DF3F51BA10A}">
+      <p15:sldGuideLst xmlns:p15="http://schemas.microsoft.com/office/powerpoint/2012/main"/>
+    </p:ext>
+  </p:extLst>
 </p:presentation>
 </file>
 
@@ -254,7 +261,7 @@
           <a:p>
             <a:fld id="{3B1E85EF-59F6-4E6A-849D-D650C3DF053D}" type="datetimeFigureOut">
               <a:rPr lang="en-US" smtClean="0"/>
-              <a:t>7/30/2018</a:t>
+              <a:t>8/16/2018</a:t>
             </a:fld>
             <a:endParaRPr lang="en-US"/>
           </a:p>
@@ -452,7 +459,7 @@
           <a:p>
             <a:fld id="{3B1E85EF-59F6-4E6A-849D-D650C3DF053D}" type="datetimeFigureOut">
               <a:rPr lang="en-US" smtClean="0"/>
-              <a:t>7/30/2018</a:t>
+              <a:t>8/16/2018</a:t>
             </a:fld>
             <a:endParaRPr lang="en-US"/>
           </a:p>
@@ -660,7 +667,7 @@
           <a:p>
             <a:fld id="{3B1E85EF-59F6-4E6A-849D-D650C3DF053D}" type="datetimeFigureOut">
               <a:rPr lang="en-US" smtClean="0"/>
-              <a:t>7/30/2018</a:t>
+              <a:t>8/16/2018</a:t>
             </a:fld>
             <a:endParaRPr lang="en-US"/>
           </a:p>
@@ -858,7 +865,7 @@
           <a:p>
             <a:fld id="{3B1E85EF-59F6-4E6A-849D-D650C3DF053D}" type="datetimeFigureOut">
               <a:rPr lang="en-US" smtClean="0"/>
-              <a:t>7/30/2018</a:t>
+              <a:t>8/16/2018</a:t>
             </a:fld>
             <a:endParaRPr lang="en-US"/>
           </a:p>
@@ -1133,7 +1140,7 @@
           <a:p>
             <a:fld id="{3B1E85EF-59F6-4E6A-849D-D650C3DF053D}" type="datetimeFigureOut">
               <a:rPr lang="en-US" smtClean="0"/>
-              <a:t>7/30/2018</a:t>
+              <a:t>8/16/2018</a:t>
             </a:fld>
             <a:endParaRPr lang="en-US"/>
           </a:p>
@@ -1398,7 +1405,7 @@
           <a:p>
             <a:fld id="{3B1E85EF-59F6-4E6A-849D-D650C3DF053D}" type="datetimeFigureOut">
               <a:rPr lang="en-US" smtClean="0"/>
-              <a:t>7/30/2018</a:t>
+              <a:t>8/16/2018</a:t>
             </a:fld>
             <a:endParaRPr lang="en-US"/>
           </a:p>
@@ -1810,7 +1817,7 @@
           <a:p>
             <a:fld id="{3B1E85EF-59F6-4E6A-849D-D650C3DF053D}" type="datetimeFigureOut">
               <a:rPr lang="en-US" smtClean="0"/>
-              <a:t>7/30/2018</a:t>
+              <a:t>8/16/2018</a:t>
             </a:fld>
             <a:endParaRPr lang="en-US"/>
           </a:p>
@@ -1951,7 +1958,7 @@
           <a:p>
             <a:fld id="{3B1E85EF-59F6-4E6A-849D-D650C3DF053D}" type="datetimeFigureOut">
               <a:rPr lang="en-US" smtClean="0"/>
-              <a:t>7/30/2018</a:t>
+              <a:t>8/16/2018</a:t>
             </a:fld>
             <a:endParaRPr lang="en-US"/>
           </a:p>
@@ -2064,7 +2071,7 @@
           <a:p>
             <a:fld id="{3B1E85EF-59F6-4E6A-849D-D650C3DF053D}" type="datetimeFigureOut">
               <a:rPr lang="en-US" smtClean="0"/>
-              <a:t>7/30/2018</a:t>
+              <a:t>8/16/2018</a:t>
             </a:fld>
             <a:endParaRPr lang="en-US"/>
           </a:p>
@@ -2375,7 +2382,7 @@
           <a:p>
             <a:fld id="{3B1E85EF-59F6-4E6A-849D-D650C3DF053D}" type="datetimeFigureOut">
               <a:rPr lang="en-US" smtClean="0"/>
-              <a:t>7/30/2018</a:t>
+              <a:t>8/16/2018</a:t>
             </a:fld>
             <a:endParaRPr lang="en-US"/>
           </a:p>
@@ -2663,7 +2670,7 @@
           <a:p>
             <a:fld id="{3B1E85EF-59F6-4E6A-849D-D650C3DF053D}" type="datetimeFigureOut">
               <a:rPr lang="en-US" smtClean="0"/>
-              <a:t>7/30/2018</a:t>
+              <a:t>8/16/2018</a:t>
             </a:fld>
             <a:endParaRPr lang="en-US"/>
           </a:p>
@@ -2904,7 +2911,7 @@
           <a:p>
             <a:fld id="{3B1E85EF-59F6-4E6A-849D-D650C3DF053D}" type="datetimeFigureOut">
               <a:rPr lang="en-US" smtClean="0"/>
-              <a:t>7/30/2018</a:t>
+              <a:t>8/16/2018</a:t>
             </a:fld>
             <a:endParaRPr lang="en-US"/>
           </a:p>
@@ -3342,7 +3349,7 @@
         </p:blipFill>
         <p:spPr>
           <a:xfrm>
-            <a:off x="379710" y="302028"/>
+            <a:off x="976603" y="271254"/>
             <a:ext cx="3331059" cy="3157745"/>
           </a:xfrm>
           <a:prstGeom prst="rect">
@@ -3371,7 +3378,7 @@
         </p:blipFill>
         <p:spPr>
           <a:xfrm>
-            <a:off x="3833576" y="302027"/>
+            <a:off x="4430470" y="271255"/>
             <a:ext cx="3331059" cy="3157745"/>
           </a:xfrm>
           <a:prstGeom prst="rect">
@@ -3400,7 +3407,7 @@
         </p:blipFill>
         <p:spPr>
           <a:xfrm>
-            <a:off x="7287442" y="302026"/>
+            <a:off x="7884336" y="271254"/>
             <a:ext cx="3331059" cy="3157745"/>
           </a:xfrm>
           <a:prstGeom prst="rect">
@@ -3429,7 +3436,65 @@
         </p:blipFill>
         <p:spPr>
           <a:xfrm>
-            <a:off x="3833575" y="3532280"/>
+            <a:off x="4430469" y="3501508"/>
+            <a:ext cx="3331059" cy="3157745"/>
+          </a:xfrm>
+          <a:prstGeom prst="rect">
+            <a:avLst/>
+          </a:prstGeom>
+        </p:spPr>
+      </p:pic>
+      <p:pic>
+        <p:nvPicPr>
+          <p:cNvPr id="6" name="Picture 5">
+            <a:extLst>
+              <a:ext uri="{FF2B5EF4-FFF2-40B4-BE49-F238E27FC236}">
+                <a16:creationId xmlns:a16="http://schemas.microsoft.com/office/drawing/2014/main" id="{A189DCEA-AAC2-4F8E-86B0-9099289330B6}"/>
+              </a:ext>
+            </a:extLst>
+          </p:cNvPr>
+          <p:cNvPicPr>
+            <a:picLocks noChangeAspect="1"/>
+          </p:cNvPicPr>
+          <p:nvPr/>
+        </p:nvPicPr>
+        <p:blipFill rotWithShape="1">
+          <a:blip r:embed="rId2"/>
+          <a:srcRect b="6894"/>
+          <a:stretch/>
+        </p:blipFill>
+        <p:spPr>
+          <a:xfrm>
+            <a:off x="976603" y="3535211"/>
+            <a:ext cx="3331059" cy="3157745"/>
+          </a:xfrm>
+          <a:prstGeom prst="rect">
+            <a:avLst/>
+          </a:prstGeom>
+        </p:spPr>
+      </p:pic>
+      <p:pic>
+        <p:nvPicPr>
+          <p:cNvPr id="7" name="Picture 6">
+            <a:extLst>
+              <a:ext uri="{FF2B5EF4-FFF2-40B4-BE49-F238E27FC236}">
+                <a16:creationId xmlns:a16="http://schemas.microsoft.com/office/drawing/2014/main" id="{32FEE9AE-80FD-46F5-96D8-78C8D926A327}"/>
+              </a:ext>
+            </a:extLst>
+          </p:cNvPr>
+          <p:cNvPicPr>
+            <a:picLocks noChangeAspect="1"/>
+          </p:cNvPicPr>
+          <p:nvPr/>
+        </p:nvPicPr>
+        <p:blipFill rotWithShape="1">
+          <a:blip r:embed="rId2"/>
+          <a:srcRect b="6894"/>
+          <a:stretch/>
+        </p:blipFill>
+        <p:spPr>
+          <a:xfrm>
+            <a:off x="7884336" y="3501507"/>
             <a:ext cx="3331059" cy="3157745"/>
           </a:xfrm>
           <a:prstGeom prst="rect">
@@ -3441,6 +3506,273 @@
     <p:extLst>
       <p:ext uri="{BB962C8B-B14F-4D97-AF65-F5344CB8AC3E}">
         <p14:creationId xmlns:p14="http://schemas.microsoft.com/office/powerpoint/2010/main" val="824068297"/>
+      </p:ext>
+    </p:extLst>
+  </p:cSld>
+  <p:clrMapOvr>
+    <a:masterClrMapping/>
+  </p:clrMapOvr>
+</p:sld>
+</file>
+
+<file path=ppt/slides/slide2.xml><?xml version="1.0" encoding="utf-8"?>
+<p:sld xmlns:a="http://schemas.openxmlformats.org/drawingml/2006/main" xmlns:r="http://schemas.openxmlformats.org/officeDocument/2006/relationships" xmlns:p="http://schemas.openxmlformats.org/presentationml/2006/main">
+  <p:cSld>
+    <p:spTree>
+      <p:nvGrpSpPr>
+        <p:cNvPr id="1" name=""/>
+        <p:cNvGrpSpPr/>
+        <p:nvPr/>
+      </p:nvGrpSpPr>
+      <p:grpSpPr>
+        <a:xfrm>
+          <a:off x="0" y="0"/>
+          <a:ext cx="0" cy="0"/>
+          <a:chOff x="0" y="0"/>
+          <a:chExt cx="0" cy="0"/>
+        </a:xfrm>
+      </p:grpSpPr>
+      <p:pic>
+        <p:nvPicPr>
+          <p:cNvPr id="2" name="Picture 1">
+            <a:extLst>
+              <a:ext uri="{FF2B5EF4-FFF2-40B4-BE49-F238E27FC236}">
+                <a16:creationId xmlns:a16="http://schemas.microsoft.com/office/drawing/2014/main" id="{9B5920D9-3FDD-48F1-B541-BB9B25C25A87}"/>
+              </a:ext>
+            </a:extLst>
+          </p:cNvPr>
+          <p:cNvPicPr>
+            <a:picLocks noChangeAspect="1"/>
+          </p:cNvPicPr>
+          <p:nvPr/>
+        </p:nvPicPr>
+        <p:blipFill>
+          <a:blip r:embed="rId2"/>
+          <a:stretch>
+            <a:fillRect/>
+          </a:stretch>
+        </p:blipFill>
+        <p:spPr>
+          <a:xfrm>
+            <a:off x="554878" y="272995"/>
+            <a:ext cx="5144640" cy="3224586"/>
+          </a:xfrm>
+          <a:prstGeom prst="rect">
+            <a:avLst/>
+          </a:prstGeom>
+        </p:spPr>
+      </p:pic>
+      <p:pic>
+        <p:nvPicPr>
+          <p:cNvPr id="11" name="Picture 10">
+            <a:extLst>
+              <a:ext uri="{FF2B5EF4-FFF2-40B4-BE49-F238E27FC236}">
+                <a16:creationId xmlns:a16="http://schemas.microsoft.com/office/drawing/2014/main" id="{78ADCCDC-852C-44FE-85E9-2056160D0D4F}"/>
+              </a:ext>
+            </a:extLst>
+          </p:cNvPr>
+          <p:cNvPicPr>
+            <a:picLocks noChangeAspect="1"/>
+          </p:cNvPicPr>
+          <p:nvPr/>
+        </p:nvPicPr>
+        <p:blipFill>
+          <a:blip r:embed="rId2"/>
+          <a:stretch>
+            <a:fillRect/>
+          </a:stretch>
+        </p:blipFill>
+        <p:spPr>
+          <a:xfrm>
+            <a:off x="554878" y="3539435"/>
+            <a:ext cx="5144640" cy="3224586"/>
+          </a:xfrm>
+          <a:prstGeom prst="rect">
+            <a:avLst/>
+          </a:prstGeom>
+        </p:spPr>
+      </p:pic>
+      <p:pic>
+        <p:nvPicPr>
+          <p:cNvPr id="12" name="Picture 11">
+            <a:extLst>
+              <a:ext uri="{FF2B5EF4-FFF2-40B4-BE49-F238E27FC236}">
+                <a16:creationId xmlns:a16="http://schemas.microsoft.com/office/drawing/2014/main" id="{68F125EF-C47F-457A-AA60-A579F1CACA65}"/>
+              </a:ext>
+            </a:extLst>
+          </p:cNvPr>
+          <p:cNvPicPr>
+            <a:picLocks noChangeAspect="1"/>
+          </p:cNvPicPr>
+          <p:nvPr/>
+        </p:nvPicPr>
+        <p:blipFill>
+          <a:blip r:embed="rId2"/>
+          <a:stretch>
+            <a:fillRect/>
+          </a:stretch>
+        </p:blipFill>
+        <p:spPr>
+          <a:xfrm>
+            <a:off x="6239398" y="272995"/>
+            <a:ext cx="5144640" cy="3224586"/>
+          </a:xfrm>
+          <a:prstGeom prst="rect">
+            <a:avLst/>
+          </a:prstGeom>
+        </p:spPr>
+      </p:pic>
+      <p:pic>
+        <p:nvPicPr>
+          <p:cNvPr id="13" name="Picture 12">
+            <a:extLst>
+              <a:ext uri="{FF2B5EF4-FFF2-40B4-BE49-F238E27FC236}">
+                <a16:creationId xmlns:a16="http://schemas.microsoft.com/office/drawing/2014/main" id="{E33061AD-6ABD-4827-9901-294892FDBE1F}"/>
+              </a:ext>
+            </a:extLst>
+          </p:cNvPr>
+          <p:cNvPicPr>
+            <a:picLocks noChangeAspect="1"/>
+          </p:cNvPicPr>
+          <p:nvPr/>
+        </p:nvPicPr>
+        <p:blipFill>
+          <a:blip r:embed="rId2"/>
+          <a:stretch>
+            <a:fillRect/>
+          </a:stretch>
+        </p:blipFill>
+        <p:spPr>
+          <a:xfrm>
+            <a:off x="6239398" y="3539435"/>
+            <a:ext cx="5144640" cy="3224586"/>
+          </a:xfrm>
+          <a:prstGeom prst="rect">
+            <a:avLst/>
+          </a:prstGeom>
+        </p:spPr>
+      </p:pic>
+    </p:spTree>
+    <p:extLst>
+      <p:ext uri="{BB962C8B-B14F-4D97-AF65-F5344CB8AC3E}">
+        <p14:creationId xmlns:p14="http://schemas.microsoft.com/office/powerpoint/2010/main" val="1493883364"/>
+      </p:ext>
+    </p:extLst>
+  </p:cSld>
+  <p:clrMapOvr>
+    <a:masterClrMapping/>
+  </p:clrMapOvr>
+</p:sld>
+</file>
+
+<file path=ppt/slides/slide3.xml><?xml version="1.0" encoding="utf-8"?>
+<p:sld xmlns:a="http://schemas.openxmlformats.org/drawingml/2006/main" xmlns:r="http://schemas.openxmlformats.org/officeDocument/2006/relationships" xmlns:p="http://schemas.openxmlformats.org/presentationml/2006/main">
+  <p:cSld>
+    <p:spTree>
+      <p:nvGrpSpPr>
+        <p:cNvPr id="1" name=""/>
+        <p:cNvGrpSpPr/>
+        <p:nvPr/>
+      </p:nvGrpSpPr>
+      <p:grpSpPr>
+        <a:xfrm>
+          <a:off x="0" y="0"/>
+          <a:ext cx="0" cy="0"/>
+          <a:chOff x="0" y="0"/>
+          <a:chExt cx="0" cy="0"/>
+        </a:xfrm>
+      </p:grpSpPr>
+      <p:pic>
+        <p:nvPicPr>
+          <p:cNvPr id="30" name="Picture 29">
+            <a:extLst>
+              <a:ext uri="{FF2B5EF4-FFF2-40B4-BE49-F238E27FC236}">
+                <a16:creationId xmlns:a16="http://schemas.microsoft.com/office/drawing/2014/main" id="{D8C063B1-61AB-4CDB-B9B1-87C3EB1F8923}"/>
+              </a:ext>
+            </a:extLst>
+          </p:cNvPr>
+          <p:cNvPicPr>
+            <a:picLocks noChangeAspect="1"/>
+          </p:cNvPicPr>
+          <p:nvPr/>
+        </p:nvPicPr>
+        <p:blipFill rotWithShape="1">
+          <a:blip r:embed="rId2"/>
+          <a:srcRect b="6894"/>
+          <a:stretch/>
+        </p:blipFill>
+        <p:spPr>
+          <a:xfrm rot="1653232">
+            <a:off x="7178216" y="1196964"/>
+            <a:ext cx="3331059" cy="3157745"/>
+          </a:xfrm>
+          <a:prstGeom prst="rect">
+            <a:avLst/>
+          </a:prstGeom>
+        </p:spPr>
+      </p:pic>
+      <p:pic>
+        <p:nvPicPr>
+          <p:cNvPr id="31" name="Picture 30">
+            <a:extLst>
+              <a:ext uri="{FF2B5EF4-FFF2-40B4-BE49-F238E27FC236}">
+                <a16:creationId xmlns:a16="http://schemas.microsoft.com/office/drawing/2014/main" id="{845E491E-C11E-4821-B8AF-09F601776534}"/>
+              </a:ext>
+            </a:extLst>
+          </p:cNvPr>
+          <p:cNvPicPr>
+            <a:picLocks noChangeAspect="1"/>
+          </p:cNvPicPr>
+          <p:nvPr/>
+        </p:nvPicPr>
+        <p:blipFill rotWithShape="1">
+          <a:blip r:embed="rId2"/>
+          <a:srcRect b="6894"/>
+          <a:stretch/>
+        </p:blipFill>
+        <p:spPr>
+          <a:xfrm rot="18546582">
+            <a:off x="1438348" y="783708"/>
+            <a:ext cx="3331059" cy="3157745"/>
+          </a:xfrm>
+          <a:prstGeom prst="rect">
+            <a:avLst/>
+          </a:prstGeom>
+        </p:spPr>
+      </p:pic>
+      <p:pic>
+        <p:nvPicPr>
+          <p:cNvPr id="6" name="Picture 5">
+            <a:extLst>
+              <a:ext uri="{FF2B5EF4-FFF2-40B4-BE49-F238E27FC236}">
+                <a16:creationId xmlns:a16="http://schemas.microsoft.com/office/drawing/2014/main" id="{A189DCEA-AAC2-4F8E-86B0-9099289330B6}"/>
+              </a:ext>
+            </a:extLst>
+          </p:cNvPr>
+          <p:cNvPicPr>
+            <a:picLocks noChangeAspect="1"/>
+          </p:cNvPicPr>
+          <p:nvPr/>
+        </p:nvPicPr>
+        <p:blipFill rotWithShape="1">
+          <a:blip r:embed="rId2"/>
+          <a:srcRect b="6894"/>
+          <a:stretch/>
+        </p:blipFill>
+        <p:spPr>
+          <a:xfrm rot="9837716">
+            <a:off x="3994123" y="3174531"/>
+            <a:ext cx="3331059" cy="3157745"/>
+          </a:xfrm>
+          <a:prstGeom prst="rect">
+            <a:avLst/>
+          </a:prstGeom>
+        </p:spPr>
+      </p:pic>
+    </p:spTree>
+    <p:extLst>
+      <p:ext uri="{BB962C8B-B14F-4D97-AF65-F5344CB8AC3E}">
+        <p14:creationId xmlns:p14="http://schemas.microsoft.com/office/powerpoint/2010/main" val="1748801330"/>
       </p:ext>
     </p:extLst>
   </p:cSld>
